--- a/presentation/3_BasicUI.pptx
+++ b/presentation/3_BasicUI.pptx
@@ -236,7 +236,7 @@
   </p:defaultTextStyle>
   <p:extLst>
     <p:ext uri="{EFAFB233-063F-42B5-8137-9DF3F51BA10A}">
-      <p15:sldGuideLst xmlns:p15="http://schemas.microsoft.com/office/powerpoint/2012/main">
+      <p15:sldGuideLst xmlns:p15="http://schemas.microsoft.com/office/powerpoint/2012/main" xmlns="">
         <p15:guide id="1" orient="horz" pos="2160">
           <p15:clr>
             <a:srgbClr val="A4A3A4"/>
@@ -9089,7 +9089,7 @@
                         <m:fPr>
                           <m:ctrlPr>
                             <a:rPr lang="en-US" sz="3200" i="1" smtClean="0">
-                              <a:latin typeface="Cambria Math" panose="02040503050406030204" pitchFamily="18" charset="0"/>
+                              <a:latin typeface="Cambria Math"/>
                             </a:rPr>
                           </m:ctrlPr>
                         </m:fPr>
@@ -9216,7 +9216,7 @@
                         <m:fPr>
                           <m:ctrlPr>
                             <a:rPr lang="en-US" sz="2800" i="1" smtClean="0">
-                              <a:latin typeface="Cambria Math" panose="02040503050406030204" pitchFamily="18" charset="0"/>
+                              <a:latin typeface="Cambria Math"/>
                             </a:rPr>
                           </m:ctrlPr>
                         </m:fPr>
@@ -9290,8 +9290,8 @@
           </p:sp>
         </mc:Fallback>
       </mc:AlternateContent>
-      <mc:AlternateContent xmlns:mc="http://schemas.openxmlformats.org/markup-compatibility/2006">
-        <mc:Choice xmlns:a14="http://schemas.microsoft.com/office/drawing/2010/main" Requires="a14">
+      <mc:AlternateContent xmlns:mc="http://schemas.openxmlformats.org/markup-compatibility/2006" xmlns:a14="http://schemas.microsoft.com/office/drawing/2010/main">
+        <mc:Choice Requires="a14">
           <p:sp>
             <p:nvSpPr>
               <p:cNvPr id="7" name="Прямоугольник 6"/>
@@ -9324,7 +9324,7 @@
                         <m:fPr>
                           <m:ctrlPr>
                             <a:rPr lang="en-US" sz="3200" i="1">
-                              <a:latin typeface="Cambria Math" panose="02040503050406030204" pitchFamily="18" charset="0"/>
+                              <a:latin typeface="Cambria Math"/>
                             </a:rPr>
                           </m:ctrlPr>
                         </m:fPr>
@@ -9353,7 +9353,7 @@
             </p:txBody>
           </p:sp>
         </mc:Choice>
-        <mc:Fallback>
+        <mc:Fallback xmlns="">
           <p:sp>
             <p:nvSpPr>
               <p:cNvPr id="7" name="Прямоугольник 6"/>
@@ -11192,15 +11192,7 @@
           <a:p>
             <a:r>
               <a:rPr lang="ru-RU" dirty="0" smtClean="0"/>
-              <a:t>Каждый контейнер имеет свои </a:t>
-            </a:r>
-            <a:r>
-              <a:rPr lang="ru-RU" dirty="0" smtClean="0"/>
-              <a:t>правила </a:t>
-            </a:r>
-            <a:r>
-              <a:rPr lang="ru-RU" dirty="0" smtClean="0"/>
-              <a:t>размещения </a:t>
+              <a:t>Каждый контейнер имеет свои правила размещения </a:t>
             </a:r>
             <a:r>
               <a:rPr lang="ru-RU" dirty="0"/>
@@ -12141,11 +12133,7 @@
           <a:p>
             <a:r>
               <a:rPr lang="ru-RU" dirty="0" smtClean="0"/>
-              <a:t>Контейнеры </a:t>
-            </a:r>
-            <a:r>
-              <a:rPr lang="ru-RU" dirty="0" smtClean="0"/>
-              <a:t>могу содержать </a:t>
+              <a:t>Контейнеры могу содержать </a:t>
             </a:r>
             <a:r>
               <a:rPr lang="en-US" dirty="0" smtClean="0"/>
@@ -12157,11 +12145,7 @@
             </a:r>
             <a:r>
               <a:rPr lang="en-US" dirty="0" smtClean="0"/>
-              <a:t> </a:t>
-            </a:r>
-            <a:r>
-              <a:rPr lang="en-US" dirty="0" smtClean="0"/>
-              <a:t>res/layout</a:t>
+              <a:t> res/layout</a:t>
             </a:r>
           </a:p>
           <a:p>
@@ -12218,7 +12202,6 @@
               <a:rPr lang="ru-RU" dirty="0" smtClean="0"/>
               <a:t> редактор </a:t>
             </a:r>
-            <a:endParaRPr lang="ru-RU" dirty="0" smtClean="0"/>
           </a:p>
           <a:p>
             <a:pPr lvl="1"/>
@@ -12615,11 +12598,7 @@
             </a:r>
             <a:r>
               <a:rPr lang="en-US" dirty="0" smtClean="0"/>
-              <a:t> </a:t>
-            </a:r>
-            <a:r>
-              <a:rPr lang="en-US" dirty="0" smtClean="0"/>
-              <a:t>XML</a:t>
+              <a:t> XML</a:t>
             </a:r>
             <a:endParaRPr lang="en-US" dirty="0"/>
           </a:p>
@@ -12719,11 +12698,7 @@
           <a:p>
             <a:r>
               <a:rPr lang="ru-RU" dirty="0" smtClean="0"/>
-              <a:t>Возможно редактирование </a:t>
-            </a:r>
-            <a:r>
-              <a:rPr lang="ru-RU" dirty="0" smtClean="0"/>
-              <a:t>xml напрямую </a:t>
+              <a:t>Возможно редактирование xml напрямую </a:t>
             </a:r>
             <a:r>
               <a:rPr lang="ru-RU" dirty="0"/>
@@ -12731,11 +12706,7 @@
             </a:r>
             <a:r>
               <a:rPr lang="ru-RU" dirty="0" smtClean="0"/>
-              <a:t>через </a:t>
-            </a:r>
-            <a:r>
-              <a:rPr lang="ru-RU" dirty="0" smtClean="0"/>
-              <a:t>дизайнер</a:t>
+              <a:t>через дизайнер</a:t>
             </a:r>
             <a:endParaRPr lang="en-US" dirty="0" smtClean="0"/>
           </a:p>
@@ -16161,11 +16132,7 @@
             </a:r>
             <a:r>
               <a:rPr lang="en-US" dirty="0" smtClean="0"/>
-              <a:t> </a:t>
-            </a:r>
-            <a:r>
-              <a:rPr lang="en-US" dirty="0" smtClean="0"/>
-              <a:t>XML </a:t>
+              <a:t> XML </a:t>
             </a:r>
             <a:r>
               <a:rPr lang="ru-RU" dirty="0" smtClean="0"/>
@@ -16636,11 +16603,7 @@
             </a:r>
             <a:r>
               <a:rPr lang="en-US" dirty="0" smtClean="0"/>
-              <a:t> </a:t>
-            </a:r>
-            <a:r>
-              <a:rPr lang="en-US" dirty="0" smtClean="0"/>
-              <a:t>TextView</a:t>
+              <a:t> TextView</a:t>
             </a:r>
             <a:endParaRPr lang="en-US" dirty="0"/>
           </a:p>
@@ -16699,70 +16662,37 @@
           <a:p>
             <a:pPr lvl="2"/>
             <a:r>
-              <a:rPr lang="en-US" dirty="0" smtClean="0"/>
-              <a:t>width </a:t>
+              <a:rPr lang="en-US" b="1" dirty="0" smtClean="0"/>
+              <a:t>visibility</a:t>
             </a:r>
             <a:r>
               <a:rPr lang="ru-RU" dirty="0" smtClean="0"/>
-              <a:t>- ширина</a:t>
+              <a:t>- </a:t>
+            </a:r>
+            <a:r>
+              <a:rPr lang="ru-RU" dirty="0" smtClean="0"/>
+              <a:t>видимость</a:t>
             </a:r>
           </a:p>
           <a:p>
             <a:pPr lvl="2"/>
             <a:r>
-              <a:rPr lang="en-US" dirty="0" smtClean="0"/>
-              <a:t>height </a:t>
+              <a:rPr lang="en-US" b="1" dirty="0" err="1"/>
+              <a:t>textSize</a:t>
             </a:r>
             <a:r>
               <a:rPr lang="ru-RU" dirty="0" smtClean="0"/>
-              <a:t>- высота</a:t>
+              <a:t>– </a:t>
+            </a:r>
+            <a:r>
+              <a:rPr lang="ru-RU" dirty="0" smtClean="0"/>
+              <a:t>размер текста</a:t>
             </a:r>
           </a:p>
           <a:p>
             <a:pPr lvl="2"/>
             <a:r>
-              <a:rPr lang="en-US" dirty="0"/>
-              <a:t>p</a:t>
-            </a:r>
-            <a:r>
-              <a:rPr lang="en-US" dirty="0" smtClean="0"/>
-              <a:t>adding</a:t>
-            </a:r>
-            <a:r>
-              <a:rPr lang="ru-RU" dirty="0" smtClean="0"/>
-              <a:t> – внутренний отступ</a:t>
-            </a:r>
-          </a:p>
-          <a:p>
-            <a:pPr lvl="2"/>
-            <a:r>
-              <a:rPr lang="en-US" dirty="0" smtClean="0"/>
-              <a:t>visibility </a:t>
-            </a:r>
-            <a:r>
-              <a:rPr lang="ru-RU" dirty="0" smtClean="0"/>
-              <a:t>- видимость</a:t>
-            </a:r>
-          </a:p>
-          <a:p>
-            <a:pPr lvl="2"/>
-            <a:r>
-              <a:rPr lang="en-US" dirty="0" err="1" smtClean="0"/>
-              <a:t>textSize</a:t>
-            </a:r>
-            <a:r>
-              <a:rPr lang="en-US" dirty="0" smtClean="0"/>
-              <a:t> </a:t>
-            </a:r>
-            <a:r>
-              <a:rPr lang="ru-RU" dirty="0" smtClean="0"/>
-              <a:t>– размер текста</a:t>
-            </a:r>
-          </a:p>
-          <a:p>
-            <a:pPr lvl="2"/>
-            <a:r>
-              <a:rPr lang="en-US" dirty="0" err="1" smtClean="0"/>
+              <a:rPr lang="en-US" b="1" dirty="0" err="1" smtClean="0"/>
               <a:t>textColor</a:t>
             </a:r>
             <a:r>
@@ -16773,30 +16703,90 @@
           <a:p>
             <a:pPr lvl="2"/>
             <a:r>
-              <a:rPr lang="en-US" dirty="0" err="1" smtClean="0"/>
-              <a:t>backgroundColor</a:t>
+              <a:rPr lang="en-US" b="1" dirty="0" smtClean="0"/>
+              <a:t>background</a:t>
             </a:r>
             <a:r>
               <a:rPr lang="ru-RU" dirty="0" smtClean="0"/>
-              <a:t> – цвет фона</a:t>
+              <a:t>– </a:t>
+            </a:r>
+            <a:r>
+              <a:rPr lang="ru-RU" dirty="0" smtClean="0"/>
+              <a:t>цвет фона</a:t>
             </a:r>
             <a:endParaRPr lang="en-US" dirty="0" smtClean="0"/>
           </a:p>
           <a:p>
             <a:pPr lvl="2"/>
             <a:r>
-              <a:rPr lang="en-US" dirty="0" err="1" smtClean="0"/>
+              <a:rPr lang="en-US" b="1" dirty="0" err="1"/>
               <a:t>textAllCaps</a:t>
             </a:r>
             <a:r>
               <a:rPr lang="en-US" dirty="0" smtClean="0"/>
+              <a:t>– </a:t>
+            </a:r>
+            <a:r>
+              <a:rPr lang="ru-RU" dirty="0" smtClean="0"/>
+              <a:t>текст прописными </a:t>
+            </a:r>
+            <a:r>
+              <a:rPr lang="ru-RU" dirty="0" smtClean="0"/>
+              <a:t>символами</a:t>
+            </a:r>
+            <a:endParaRPr lang="en-US" dirty="0" smtClean="0"/>
+          </a:p>
+          <a:p>
+            <a:pPr lvl="2"/>
+            <a:r>
+              <a:rPr lang="en-US" b="1" dirty="0" err="1" smtClean="0"/>
+              <a:t>autoLink</a:t>
+            </a:r>
+            <a:r>
+              <a:rPr lang="en-US" b="1" dirty="0" smtClean="0"/>
+              <a:t>  - </a:t>
+            </a:r>
+            <a:r>
+              <a:rPr lang="ru-RU" dirty="0" smtClean="0"/>
+              <a:t>контекстные ссылки (</a:t>
+            </a:r>
+            <a:r>
+              <a:rPr lang="en-US" dirty="0" smtClean="0"/>
+              <a:t>email, phone</a:t>
+            </a:r>
+            <a:r>
+              <a:rPr lang="ru-RU" dirty="0" smtClean="0"/>
+              <a:t> и т.д.</a:t>
+            </a:r>
+            <a:r>
+              <a:rPr lang="en-US" dirty="0" smtClean="0"/>
+              <a:t>)</a:t>
+            </a:r>
+            <a:endParaRPr lang="en-US" b="1" dirty="0" smtClean="0"/>
+          </a:p>
+          <a:p>
+            <a:pPr lvl="2"/>
+            <a:r>
+              <a:rPr lang="en-US" b="1" dirty="0" err="1" smtClean="0"/>
+              <a:t>ellipsize</a:t>
+            </a:r>
+            <a:r>
+              <a:rPr lang="en-US" b="1" dirty="0" smtClean="0"/>
               <a:t> – </a:t>
             </a:r>
             <a:r>
               <a:rPr lang="ru-RU" dirty="0" smtClean="0"/>
-              <a:t>текст прописными сиволами</a:t>
+              <a:t>добавляет … если не вмещается текст</a:t>
             </a:r>
             <a:endParaRPr lang="en-US" dirty="0" smtClean="0"/>
+          </a:p>
+          <a:p>
+            <a:pPr lvl="2"/>
+            <a:r>
+              <a:rPr lang="en-US" b="1" dirty="0" smtClean="0"/>
+              <a:t>lines</a:t>
+            </a:r>
+            <a:endParaRPr lang="en-US" b="1" dirty="0" smtClean="0"/>
           </a:p>
           <a:p>
             <a:pPr marL="457200" lvl="1" indent="0">
@@ -16894,7 +16884,6 @@
               <a:rPr lang="en-US" dirty="0" smtClean="0"/>
               <a:t>:</a:t>
             </a:r>
-            <a:endParaRPr lang="en-US" dirty="0" smtClean="0"/>
           </a:p>
           <a:p>
             <a:r>
@@ -16998,15 +16987,7 @@
             </a:r>
             <a:r>
               <a:rPr lang="en-US" dirty="0" smtClean="0"/>
-              <a:t> </a:t>
-            </a:r>
-            <a:r>
-              <a:rPr lang="en-US" dirty="0" smtClean="0"/>
-              <a:t>none, web, email, phone, </a:t>
-            </a:r>
-            <a:r>
-              <a:rPr lang="en-US" dirty="0" smtClean="0"/>
-              <a:t>map </a:t>
+              <a:t> none, web, email, phone, map </a:t>
             </a:r>
             <a:r>
               <a:rPr lang="ru-RU" dirty="0" smtClean="0"/>
@@ -17014,11 +16995,7 @@
             </a:r>
             <a:r>
               <a:rPr lang="en-US" dirty="0" smtClean="0"/>
-              <a:t> </a:t>
-            </a:r>
-            <a:r>
-              <a:rPr lang="en-US" dirty="0" smtClean="0"/>
-              <a:t>all</a:t>
+              <a:t> all</a:t>
             </a:r>
           </a:p>
           <a:p>
@@ -17085,11 +17062,7 @@
             </a:r>
             <a:r>
               <a:rPr lang="en-US" dirty="0" smtClean="0"/>
-              <a:t> </a:t>
-            </a:r>
-            <a:r>
-              <a:rPr lang="en-US" dirty="0" smtClean="0"/>
-              <a:t>Button</a:t>
+              <a:t> Button</a:t>
             </a:r>
             <a:endParaRPr lang="en-US" dirty="0"/>
           </a:p>
@@ -17123,11 +17096,7 @@
             </a:r>
             <a:r>
               <a:rPr lang="en-US" dirty="0" smtClean="0"/>
-              <a:t> </a:t>
-            </a:r>
-            <a:r>
-              <a:rPr lang="en-US" dirty="0" smtClean="0"/>
-              <a:t>View</a:t>
+              <a:t> View</a:t>
             </a:r>
           </a:p>
           <a:p>
@@ -17169,11 +17138,7 @@
             </a:r>
             <a:r>
               <a:rPr lang="en-US" dirty="0" smtClean="0"/>
-              <a:t> </a:t>
-            </a:r>
-            <a:r>
-              <a:rPr lang="en-US" dirty="0" smtClean="0"/>
-              <a:t>XML </a:t>
+              <a:t> XML </a:t>
             </a:r>
             <a:r>
               <a:rPr lang="ru-RU" dirty="0" smtClean="0"/>
@@ -17401,14 +17366,37 @@
           <a:p>
             <a:r>
               <a:rPr lang="ru-RU" dirty="0" smtClean="0"/>
-              <a:t>Общий компонент для получения данных от пользователя</a:t>
+              <a:t>Производный от </a:t>
+            </a:r>
+            <a:r>
+              <a:rPr lang="en-US" dirty="0" err="1" smtClean="0"/>
+              <a:t>TextView</a:t>
             </a:r>
             <a:endParaRPr lang="en-US" dirty="0" smtClean="0"/>
           </a:p>
           <a:p>
             <a:r>
               <a:rPr lang="ru-RU" dirty="0" smtClean="0"/>
-              <a:t>Длительное нажатие приводит к открытию контекстоно меню</a:t>
+              <a:t>Общий </a:t>
+            </a:r>
+            <a:r>
+              <a:rPr lang="ru-RU" dirty="0" smtClean="0"/>
+              <a:t>компонент для получения данных от пользователя</a:t>
+            </a:r>
+            <a:endParaRPr lang="en-US" dirty="0" smtClean="0"/>
+          </a:p>
+          <a:p>
+            <a:r>
+              <a:rPr lang="ru-RU" dirty="0" smtClean="0"/>
+              <a:t>Длительное нажатие приводит к открытию </a:t>
+            </a:r>
+            <a:r>
+              <a:rPr lang="ru-RU" dirty="0" smtClean="0"/>
+              <a:t>контекстного </a:t>
+            </a:r>
+            <a:r>
+              <a:rPr lang="ru-RU" dirty="0" smtClean="0"/>
+              <a:t>меню</a:t>
             </a:r>
             <a:endParaRPr lang="en-US" dirty="0" smtClean="0"/>
           </a:p>
@@ -17440,8 +17428,8 @@
         </p:blipFill>
         <p:spPr bwMode="auto">
           <a:xfrm>
-            <a:off x="228600" y="4835236"/>
-            <a:ext cx="4563836" cy="1981200"/>
+            <a:off x="762000" y="4876800"/>
+            <a:ext cx="4191000" cy="1819349"/>
           </a:xfrm>
           <a:prstGeom prst="rect">
             <a:avLst/>
@@ -17499,8 +17487,8 @@
         </p:blipFill>
         <p:spPr bwMode="auto">
           <a:xfrm>
-            <a:off x="5282124" y="914400"/>
-            <a:ext cx="3733800" cy="2752725"/>
+            <a:off x="5592196" y="1143000"/>
+            <a:ext cx="3423727" cy="2524125"/>
           </a:xfrm>
           <a:prstGeom prst="rect">
             <a:avLst/>
@@ -18671,7 +18659,7 @@
 </file>
 
 <file path=ppt/slides/slide33.xml><?xml version="1.0" encoding="utf-8"?>
-<p:sld xmlns:a="http://schemas.openxmlformats.org/drawingml/2006/main" xmlns:r="http://schemas.openxmlformats.org/officeDocument/2006/relationships" xmlns:p="http://schemas.openxmlformats.org/presentationml/2006/main">
+<p:sld xmlns:a="http://schemas.openxmlformats.org/drawingml/2006/main" xmlns:r="http://schemas.openxmlformats.org/officeDocument/2006/relationships" xmlns:p="http://schemas.openxmlformats.org/presentationml/2006/main" show="0">
   <p:cSld>
     <p:spTree>
       <p:nvGrpSpPr>
@@ -18798,7 +18786,6 @@
               <a:rPr lang="en-US" dirty="0" smtClean="0"/>
               <a:t>array.xml</a:t>
             </a:r>
-            <a:endParaRPr lang="en-US" dirty="0" smtClean="0"/>
           </a:p>
           <a:p>
             <a:pPr lvl="1"/>
@@ -18816,6 +18803,14 @@
   <p:clrMapOvr>
     <a:masterClrMapping/>
   </p:clrMapOvr>
+  <mc:AlternateContent xmlns:mc="http://schemas.openxmlformats.org/markup-compatibility/2006">
+    <mc:Choice xmlns:p14="http://schemas.microsoft.com/office/powerpoint/2010/main" Requires="p14">
+      <p:transition spd="slow" p14:dur="2000"/>
+    </mc:Choice>
+    <mc:Fallback>
+      <p:transition spd="slow"/>
+    </mc:Fallback>
+  </mc:AlternateContent>
   <p:timing>
     <p:tnLst>
       <p:par>
@@ -18827,7 +18822,7 @@
 </file>
 
 <file path=ppt/slides/slide34.xml><?xml version="1.0" encoding="utf-8"?>
-<p:sld xmlns:a="http://schemas.openxmlformats.org/drawingml/2006/main" xmlns:r="http://schemas.openxmlformats.org/officeDocument/2006/relationships" xmlns:p="http://schemas.openxmlformats.org/presentationml/2006/main">
+<p:sld xmlns:a="http://schemas.openxmlformats.org/drawingml/2006/main" xmlns:r="http://schemas.openxmlformats.org/officeDocument/2006/relationships" xmlns:p="http://schemas.openxmlformats.org/presentationml/2006/main" show="0">
   <p:cSld>
     <p:spTree>
       <p:nvGrpSpPr>
@@ -18950,6 +18945,14 @@
   <p:clrMapOvr>
     <a:masterClrMapping/>
   </p:clrMapOvr>
+  <mc:AlternateContent xmlns:mc="http://schemas.openxmlformats.org/markup-compatibility/2006">
+    <mc:Choice xmlns:p14="http://schemas.microsoft.com/office/powerpoint/2010/main" Requires="p14">
+      <p:transition spd="slow" p14:dur="2000"/>
+    </mc:Choice>
+    <mc:Fallback>
+      <p:transition spd="slow"/>
+    </mc:Fallback>
+  </mc:AlternateContent>
   <p:timing>
     <p:tnLst>
       <p:par>
@@ -18961,7 +18964,7 @@
 </file>
 
 <file path=ppt/slides/slide35.xml><?xml version="1.0" encoding="utf-8"?>
-<p:sld xmlns:a="http://schemas.openxmlformats.org/drawingml/2006/main" xmlns:r="http://schemas.openxmlformats.org/officeDocument/2006/relationships" xmlns:p="http://schemas.openxmlformats.org/presentationml/2006/main">
+<p:sld xmlns:a="http://schemas.openxmlformats.org/drawingml/2006/main" xmlns:r="http://schemas.openxmlformats.org/officeDocument/2006/relationships" xmlns:p="http://schemas.openxmlformats.org/presentationml/2006/main" show="0">
   <p:cSld>
     <p:spTree>
       <p:nvGrpSpPr>
@@ -19030,7 +19033,6 @@
               <a:rPr lang="en-US" dirty="0" smtClean="0"/>
               <a:t>:</a:t>
             </a:r>
-            <a:endParaRPr lang="en-US" dirty="0" smtClean="0"/>
           </a:p>
           <a:p>
             <a:endParaRPr lang="en-US" dirty="0"/>
@@ -19057,7 +19059,6 @@
               <a:rPr lang="en-US" dirty="0" smtClean="0"/>
               <a:t>!</a:t>
             </a:r>
-            <a:endParaRPr lang="en-US" dirty="0" smtClean="0"/>
           </a:p>
           <a:p>
             <a:endParaRPr lang="en-US" dirty="0"/>
@@ -19138,6 +19139,14 @@
   <p:clrMapOvr>
     <a:masterClrMapping/>
   </p:clrMapOvr>
+  <mc:AlternateContent xmlns:mc="http://schemas.openxmlformats.org/markup-compatibility/2006">
+    <mc:Choice xmlns:p14="http://schemas.microsoft.com/office/powerpoint/2010/main" Requires="p14">
+      <p:transition spd="slow" p14:dur="2000"/>
+    </mc:Choice>
+    <mc:Fallback>
+      <p:transition spd="slow"/>
+    </mc:Fallback>
+  </mc:AlternateContent>
   <p:timing>
     <p:tnLst>
       <p:par>
@@ -19149,7 +19158,7 @@
 </file>
 
 <file path=ppt/slides/slide36.xml><?xml version="1.0" encoding="utf-8"?>
-<p:sld xmlns:a="http://schemas.openxmlformats.org/drawingml/2006/main" xmlns:r="http://schemas.openxmlformats.org/officeDocument/2006/relationships" xmlns:p="http://schemas.openxmlformats.org/presentationml/2006/main">
+<p:sld xmlns:a="http://schemas.openxmlformats.org/drawingml/2006/main" xmlns:r="http://schemas.openxmlformats.org/officeDocument/2006/relationships" xmlns:p="http://schemas.openxmlformats.org/presentationml/2006/main" show="0">
   <p:cSld>
     <p:spTree>
       <p:nvGrpSpPr>
@@ -19377,6 +19386,14 @@
   <p:clrMapOvr>
     <a:masterClrMapping/>
   </p:clrMapOvr>
+  <mc:AlternateContent xmlns:mc="http://schemas.openxmlformats.org/markup-compatibility/2006">
+    <mc:Choice xmlns:p14="http://schemas.microsoft.com/office/powerpoint/2010/main" Requires="p14">
+      <p:transition spd="slow" p14:dur="2000"/>
+    </mc:Choice>
+    <mc:Fallback>
+      <p:transition spd="slow"/>
+    </mc:Fallback>
+  </mc:AlternateContent>
   <p:timing>
     <p:tnLst>
       <p:par>
@@ -19388,7 +19405,7 @@
 </file>
 
 <file path=ppt/slides/slide37.xml><?xml version="1.0" encoding="utf-8"?>
-<p:sld xmlns:a="http://schemas.openxmlformats.org/drawingml/2006/main" xmlns:r="http://schemas.openxmlformats.org/officeDocument/2006/relationships" xmlns:p="http://schemas.openxmlformats.org/presentationml/2006/main">
+<p:sld xmlns:a="http://schemas.openxmlformats.org/drawingml/2006/main" xmlns:r="http://schemas.openxmlformats.org/officeDocument/2006/relationships" xmlns:p="http://schemas.openxmlformats.org/presentationml/2006/main" show="0">
   <p:cSld>
     <p:spTree>
       <p:nvGrpSpPr>
@@ -19587,11 +19604,7 @@
             </a:r>
             <a:r>
               <a:rPr lang="en-US" sz="3200" dirty="0" smtClean="0"/>
-              <a:t> </a:t>
-            </a:r>
-            <a:r>
-              <a:rPr lang="en-US" sz="3200" dirty="0" smtClean="0"/>
-              <a:t>res/values</a:t>
+              <a:t> res/values</a:t>
             </a:r>
             <a:endParaRPr lang="en-US" sz="3200" dirty="0"/>
           </a:p>
@@ -19607,6 +19620,14 @@
   <p:clrMapOvr>
     <a:masterClrMapping/>
   </p:clrMapOvr>
+  <mc:AlternateContent xmlns:mc="http://schemas.openxmlformats.org/markup-compatibility/2006">
+    <mc:Choice xmlns:p14="http://schemas.microsoft.com/office/powerpoint/2010/main" Requires="p14">
+      <p:transition spd="slow" p14:dur="2000"/>
+    </mc:Choice>
+    <mc:Fallback>
+      <p:transition spd="slow"/>
+    </mc:Fallback>
+  </mc:AlternateContent>
   <p:timing>
     <p:tnLst>
       <p:par>
@@ -19618,7 +19639,7 @@
 </file>
 
 <file path=ppt/slides/slide38.xml><?xml version="1.0" encoding="utf-8"?>
-<p:sld xmlns:a="http://schemas.openxmlformats.org/drawingml/2006/main" xmlns:r="http://schemas.openxmlformats.org/officeDocument/2006/relationships" xmlns:p="http://schemas.openxmlformats.org/presentationml/2006/main">
+<p:sld xmlns:a="http://schemas.openxmlformats.org/drawingml/2006/main" xmlns:r="http://schemas.openxmlformats.org/officeDocument/2006/relationships" xmlns:p="http://schemas.openxmlformats.org/presentationml/2006/main" show="0">
   <p:cSld>
     <p:spTree>
       <p:nvGrpSpPr>
@@ -19695,10 +19716,6 @@
               <a:rPr lang="en-US" dirty="0" smtClean="0"/>
               <a:t> </a:t>
             </a:r>
-            <a:r>
-              <a:rPr lang="en-US" dirty="0" smtClean="0"/>
-              <a:t/>
-            </a:r>
             <a:br>
               <a:rPr lang="en-US" dirty="0" smtClean="0"/>
             </a:br>
@@ -19811,11 +19828,7 @@
             </a:r>
             <a:r>
               <a:rPr lang="en-US" dirty="0" smtClean="0"/>
-              <a:t> </a:t>
-            </a:r>
-            <a:r>
-              <a:rPr lang="en-US" dirty="0" smtClean="0"/>
-              <a:t>off </a:t>
+              <a:t> off </a:t>
             </a:r>
             <a:r>
               <a:rPr lang="ru-RU" dirty="0" smtClean="0"/>
@@ -20033,6 +20046,14 @@
   <p:clrMapOvr>
     <a:masterClrMapping/>
   </p:clrMapOvr>
+  <mc:AlternateContent xmlns:mc="http://schemas.openxmlformats.org/markup-compatibility/2006">
+    <mc:Choice xmlns:p14="http://schemas.microsoft.com/office/powerpoint/2010/main" Requires="p14">
+      <p:transition spd="slow" p14:dur="2000"/>
+    </mc:Choice>
+    <mc:Fallback>
+      <p:transition spd="slow"/>
+    </mc:Fallback>
+  </mc:AlternateContent>
   <p:timing>
     <p:tnLst>
       <p:par>
@@ -20044,7 +20065,7 @@
 </file>
 
 <file path=ppt/slides/slide39.xml><?xml version="1.0" encoding="utf-8"?>
-<p:sld xmlns:a="http://schemas.openxmlformats.org/drawingml/2006/main" xmlns:r="http://schemas.openxmlformats.org/officeDocument/2006/relationships" xmlns:p="http://schemas.openxmlformats.org/presentationml/2006/main">
+<p:sld xmlns:a="http://schemas.openxmlformats.org/drawingml/2006/main" xmlns:r="http://schemas.openxmlformats.org/officeDocument/2006/relationships" xmlns:p="http://schemas.openxmlformats.org/presentationml/2006/main" show="0">
   <p:cSld>
     <p:spTree>
       <p:nvGrpSpPr>
@@ -20324,6 +20345,14 @@
   <p:clrMapOvr>
     <a:masterClrMapping/>
   </p:clrMapOvr>
+  <mc:AlternateContent xmlns:mc="http://schemas.openxmlformats.org/markup-compatibility/2006">
+    <mc:Choice xmlns:p14="http://schemas.microsoft.com/office/powerpoint/2010/main" Requires="p14">
+      <p:transition spd="slow" p14:dur="2000"/>
+    </mc:Choice>
+    <mc:Fallback>
+      <p:transition spd="slow"/>
+    </mc:Fallback>
+  </mc:AlternateContent>
   <p:timing>
     <p:tnLst>
       <p:par>
@@ -20820,7 +20849,7 @@
 </file>
 
 <file path=ppt/slides/slide40.xml><?xml version="1.0" encoding="utf-8"?>
-<p:sld xmlns:a="http://schemas.openxmlformats.org/drawingml/2006/main" xmlns:r="http://schemas.openxmlformats.org/officeDocument/2006/relationships" xmlns:p="http://schemas.openxmlformats.org/presentationml/2006/main">
+<p:sld xmlns:a="http://schemas.openxmlformats.org/drawingml/2006/main" xmlns:r="http://schemas.openxmlformats.org/officeDocument/2006/relationships" xmlns:p="http://schemas.openxmlformats.org/presentationml/2006/main" show="0">
   <p:cSld>
     <p:spTree>
       <p:nvGrpSpPr>
@@ -20998,6 +21027,14 @@
   <p:clrMapOvr>
     <a:masterClrMapping/>
   </p:clrMapOvr>
+  <mc:AlternateContent xmlns:mc="http://schemas.openxmlformats.org/markup-compatibility/2006">
+    <mc:Choice xmlns:p14="http://schemas.microsoft.com/office/powerpoint/2010/main" Requires="p14">
+      <p:transition spd="slow" p14:dur="2000"/>
+    </mc:Choice>
+    <mc:Fallback>
+      <p:transition spd="slow"/>
+    </mc:Fallback>
+  </mc:AlternateContent>
   <p:timing>
     <p:tnLst>
       <p:par>
@@ -21009,7 +21046,7 @@
 </file>
 
 <file path=ppt/slides/slide41.xml><?xml version="1.0" encoding="utf-8"?>
-<p:sld xmlns:a="http://schemas.openxmlformats.org/drawingml/2006/main" xmlns:r="http://schemas.openxmlformats.org/officeDocument/2006/relationships" xmlns:p="http://schemas.openxmlformats.org/presentationml/2006/main">
+<p:sld xmlns:a="http://schemas.openxmlformats.org/drawingml/2006/main" xmlns:r="http://schemas.openxmlformats.org/officeDocument/2006/relationships" xmlns:p="http://schemas.openxmlformats.org/presentationml/2006/main" show="0">
   <p:cSld>
     <p:spTree>
       <p:nvGrpSpPr>
@@ -21328,6 +21365,14 @@
   <p:clrMapOvr>
     <a:masterClrMapping/>
   </p:clrMapOvr>
+  <mc:AlternateContent xmlns:mc="http://schemas.openxmlformats.org/markup-compatibility/2006">
+    <mc:Choice xmlns:p14="http://schemas.microsoft.com/office/powerpoint/2010/main" Requires="p14">
+      <p:transition spd="slow" p14:dur="2000"/>
+    </mc:Choice>
+    <mc:Fallback>
+      <p:transition spd="slow"/>
+    </mc:Fallback>
+  </mc:AlternateContent>
   <p:timing>
     <p:tnLst>
       <p:par>
@@ -21339,7 +21384,7 @@
 </file>
 
 <file path=ppt/slides/slide42.xml><?xml version="1.0" encoding="utf-8"?>
-<p:sld xmlns:a="http://schemas.openxmlformats.org/drawingml/2006/main" xmlns:r="http://schemas.openxmlformats.org/officeDocument/2006/relationships" xmlns:p="http://schemas.openxmlformats.org/presentationml/2006/main">
+<p:sld xmlns:a="http://schemas.openxmlformats.org/drawingml/2006/main" xmlns:r="http://schemas.openxmlformats.org/officeDocument/2006/relationships" xmlns:p="http://schemas.openxmlformats.org/presentationml/2006/main" show="0">
   <p:cSld>
     <p:spTree>
       <p:nvGrpSpPr>
@@ -21501,6 +21546,14 @@
   <p:clrMapOvr>
     <a:masterClrMapping/>
   </p:clrMapOvr>
+  <mc:AlternateContent xmlns:mc="http://schemas.openxmlformats.org/markup-compatibility/2006">
+    <mc:Choice xmlns:p14="http://schemas.microsoft.com/office/powerpoint/2010/main" Requires="p14">
+      <p:transition spd="slow" p14:dur="2000"/>
+    </mc:Choice>
+    <mc:Fallback>
+      <p:transition spd="slow"/>
+    </mc:Fallback>
+  </mc:AlternateContent>
   <p:timing>
     <p:tnLst>
       <p:par>
@@ -21512,7 +21565,7 @@
 </file>
 
 <file path=ppt/slides/slide43.xml><?xml version="1.0" encoding="utf-8"?>
-<p:sld xmlns:a="http://schemas.openxmlformats.org/drawingml/2006/main" xmlns:r="http://schemas.openxmlformats.org/officeDocument/2006/relationships" xmlns:p="http://schemas.openxmlformats.org/presentationml/2006/main">
+<p:sld xmlns:a="http://schemas.openxmlformats.org/drawingml/2006/main" xmlns:r="http://schemas.openxmlformats.org/officeDocument/2006/relationships" xmlns:p="http://schemas.openxmlformats.org/presentationml/2006/main" show="0">
   <p:cSld>
     <p:spTree>
       <p:nvGrpSpPr>
@@ -21561,6 +21614,14 @@
   <p:clrMapOvr>
     <a:masterClrMapping/>
   </p:clrMapOvr>
+  <mc:AlternateContent xmlns:mc="http://schemas.openxmlformats.org/markup-compatibility/2006">
+    <mc:Choice xmlns:p14="http://schemas.microsoft.com/office/powerpoint/2010/main" Requires="p14">
+      <p:transition spd="slow" p14:dur="2000"/>
+    </mc:Choice>
+    <mc:Fallback>
+      <p:transition spd="slow"/>
+    </mc:Fallback>
+  </mc:AlternateContent>
   <p:timing>
     <p:tnLst>
       <p:par>
@@ -21572,7 +21633,7 @@
 </file>
 
 <file path=ppt/slides/slide44.xml><?xml version="1.0" encoding="utf-8"?>
-<p:sld xmlns:a="http://schemas.openxmlformats.org/drawingml/2006/main" xmlns:r="http://schemas.openxmlformats.org/officeDocument/2006/relationships" xmlns:p="http://schemas.openxmlformats.org/presentationml/2006/main">
+<p:sld xmlns:a="http://schemas.openxmlformats.org/drawingml/2006/main" xmlns:r="http://schemas.openxmlformats.org/officeDocument/2006/relationships" xmlns:p="http://schemas.openxmlformats.org/presentationml/2006/main" show="0">
   <p:cSld>
     <p:spTree>
       <p:nvGrpSpPr>
@@ -21680,6 +21741,14 @@
   <p:clrMapOvr>
     <a:masterClrMapping/>
   </p:clrMapOvr>
+  <mc:AlternateContent xmlns:mc="http://schemas.openxmlformats.org/markup-compatibility/2006">
+    <mc:Choice xmlns:p14="http://schemas.microsoft.com/office/powerpoint/2010/main" Requires="p14">
+      <p:transition spd="slow" p14:dur="2000"/>
+    </mc:Choice>
+    <mc:Fallback>
+      <p:transition spd="slow"/>
+    </mc:Fallback>
+  </mc:AlternateContent>
   <p:timing>
     <p:tnLst>
       <p:par>
@@ -21691,7 +21760,7 @@
 </file>
 
 <file path=ppt/slides/slide45.xml><?xml version="1.0" encoding="utf-8"?>
-<p:sld xmlns:a="http://schemas.openxmlformats.org/drawingml/2006/main" xmlns:r="http://schemas.openxmlformats.org/officeDocument/2006/relationships" xmlns:p="http://schemas.openxmlformats.org/presentationml/2006/main">
+<p:sld xmlns:a="http://schemas.openxmlformats.org/drawingml/2006/main" xmlns:r="http://schemas.openxmlformats.org/officeDocument/2006/relationships" xmlns:p="http://schemas.openxmlformats.org/presentationml/2006/main" show="0">
   <p:cSld>
     <p:spTree>
       <p:nvGrpSpPr>
@@ -22134,6 +22203,14 @@
   <p:clrMapOvr>
     <a:masterClrMapping/>
   </p:clrMapOvr>
+  <mc:AlternateContent xmlns:mc="http://schemas.openxmlformats.org/markup-compatibility/2006">
+    <mc:Choice xmlns:p14="http://schemas.microsoft.com/office/powerpoint/2010/main" Requires="p14">
+      <p:transition spd="slow" p14:dur="2000"/>
+    </mc:Choice>
+    <mc:Fallback>
+      <p:transition spd="slow"/>
+    </mc:Fallback>
+  </mc:AlternateContent>
   <p:timing>
     <p:tnLst>
       <p:par>
@@ -22145,7 +22222,7 @@
 </file>
 
 <file path=ppt/slides/slide46.xml><?xml version="1.0" encoding="utf-8"?>
-<p:sld xmlns:a="http://schemas.openxmlformats.org/drawingml/2006/main" xmlns:r="http://schemas.openxmlformats.org/officeDocument/2006/relationships" xmlns:p="http://schemas.openxmlformats.org/presentationml/2006/main">
+<p:sld xmlns:a="http://schemas.openxmlformats.org/drawingml/2006/main" xmlns:r="http://schemas.openxmlformats.org/officeDocument/2006/relationships" xmlns:p="http://schemas.openxmlformats.org/presentationml/2006/main" show="0">
   <p:cSld>
     <p:spTree>
       <p:nvGrpSpPr>
@@ -22340,6 +22417,14 @@
   <p:clrMapOvr>
     <a:masterClrMapping/>
   </p:clrMapOvr>
+  <mc:AlternateContent xmlns:mc="http://schemas.openxmlformats.org/markup-compatibility/2006">
+    <mc:Choice xmlns:p14="http://schemas.microsoft.com/office/powerpoint/2010/main" Requires="p14">
+      <p:transition spd="slow" p14:dur="2000"/>
+    </mc:Choice>
+    <mc:Fallback>
+      <p:transition spd="slow"/>
+    </mc:Fallback>
+  </mc:AlternateContent>
   <p:timing>
     <p:tnLst>
       <p:par>
@@ -22351,7 +22436,7 @@
 </file>
 
 <file path=ppt/slides/slide47.xml><?xml version="1.0" encoding="utf-8"?>
-<p:sld xmlns:a="http://schemas.openxmlformats.org/drawingml/2006/main" xmlns:r="http://schemas.openxmlformats.org/officeDocument/2006/relationships" xmlns:p="http://schemas.openxmlformats.org/presentationml/2006/main">
+<p:sld xmlns:a="http://schemas.openxmlformats.org/drawingml/2006/main" xmlns:r="http://schemas.openxmlformats.org/officeDocument/2006/relationships" xmlns:p="http://schemas.openxmlformats.org/presentationml/2006/main" show="0">
   <p:cSld>
     <p:spTree>
       <p:nvGrpSpPr>
@@ -22450,6 +22535,14 @@
   <p:clrMapOvr>
     <a:masterClrMapping/>
   </p:clrMapOvr>
+  <mc:AlternateContent xmlns:mc="http://schemas.openxmlformats.org/markup-compatibility/2006">
+    <mc:Choice xmlns:p14="http://schemas.microsoft.com/office/powerpoint/2010/main" Requires="p14">
+      <p:transition spd="slow" p14:dur="2000"/>
+    </mc:Choice>
+    <mc:Fallback>
+      <p:transition spd="slow"/>
+    </mc:Fallback>
+  </mc:AlternateContent>
   <p:timing>
     <p:tnLst>
       <p:par>
@@ -22461,7 +22554,7 @@
 </file>
 
 <file path=ppt/slides/slide48.xml><?xml version="1.0" encoding="utf-8"?>
-<p:sld xmlns:a="http://schemas.openxmlformats.org/drawingml/2006/main" xmlns:r="http://schemas.openxmlformats.org/officeDocument/2006/relationships" xmlns:p="http://schemas.openxmlformats.org/presentationml/2006/main">
+<p:sld xmlns:a="http://schemas.openxmlformats.org/drawingml/2006/main" xmlns:r="http://schemas.openxmlformats.org/officeDocument/2006/relationships" xmlns:p="http://schemas.openxmlformats.org/presentationml/2006/main" show="0">
   <p:cSld>
     <p:spTree>
       <p:nvGrpSpPr>
@@ -22709,6 +22802,14 @@
   <p:clrMapOvr>
     <a:masterClrMapping/>
   </p:clrMapOvr>
+  <mc:AlternateContent xmlns:mc="http://schemas.openxmlformats.org/markup-compatibility/2006">
+    <mc:Choice xmlns:p14="http://schemas.microsoft.com/office/powerpoint/2010/main" Requires="p14">
+      <p:transition spd="slow" p14:dur="2000"/>
+    </mc:Choice>
+    <mc:Fallback>
+      <p:transition spd="slow"/>
+    </mc:Fallback>
+  </mc:AlternateContent>
   <p:timing>
     <p:tnLst>
       <p:par>
@@ -22720,7 +22821,7 @@
 </file>
 
 <file path=ppt/slides/slide49.xml><?xml version="1.0" encoding="utf-8"?>
-<p:sld xmlns:a="http://schemas.openxmlformats.org/drawingml/2006/main" xmlns:r="http://schemas.openxmlformats.org/officeDocument/2006/relationships" xmlns:p="http://schemas.openxmlformats.org/presentationml/2006/main">
+<p:sld xmlns:a="http://schemas.openxmlformats.org/drawingml/2006/main" xmlns:r="http://schemas.openxmlformats.org/officeDocument/2006/relationships" xmlns:p="http://schemas.openxmlformats.org/presentationml/2006/main" show="0">
   <p:cSld>
     <p:spTree>
       <p:nvGrpSpPr>
@@ -23003,6 +23104,14 @@
   <p:clrMapOvr>
     <a:masterClrMapping/>
   </p:clrMapOvr>
+  <mc:AlternateContent xmlns:mc="http://schemas.openxmlformats.org/markup-compatibility/2006">
+    <mc:Choice xmlns:p14="http://schemas.microsoft.com/office/powerpoint/2010/main" Requires="p14">
+      <p:transition spd="slow" p14:dur="2000"/>
+    </mc:Choice>
+    <mc:Fallback>
+      <p:transition spd="slow"/>
+    </mc:Fallback>
+  </mc:AlternateContent>
   <p:timing>
     <p:tnLst>
       <p:par>
@@ -24015,7 +24124,7 @@
 </file>
 
 <file path=ppt/slides/slide50.xml><?xml version="1.0" encoding="utf-8"?>
-<p:sld xmlns:a="http://schemas.openxmlformats.org/drawingml/2006/main" xmlns:r="http://schemas.openxmlformats.org/officeDocument/2006/relationships" xmlns:p="http://schemas.openxmlformats.org/presentationml/2006/main">
+<p:sld xmlns:a="http://schemas.openxmlformats.org/drawingml/2006/main" xmlns:r="http://schemas.openxmlformats.org/officeDocument/2006/relationships" xmlns:p="http://schemas.openxmlformats.org/presentationml/2006/main" show="0">
   <p:cSld>
     <p:spTree>
       <p:nvGrpSpPr>
@@ -24189,6 +24298,14 @@
   <p:clrMapOvr>
     <a:masterClrMapping/>
   </p:clrMapOvr>
+  <mc:AlternateContent xmlns:mc="http://schemas.openxmlformats.org/markup-compatibility/2006">
+    <mc:Choice xmlns:p14="http://schemas.microsoft.com/office/powerpoint/2010/main" Requires="p14">
+      <p:transition spd="slow" p14:dur="2000"/>
+    </mc:Choice>
+    <mc:Fallback>
+      <p:transition spd="slow"/>
+    </mc:Fallback>
+  </mc:AlternateContent>
   <p:timing>
     <p:tnLst>
       <p:par>
@@ -24200,7 +24317,7 @@
 </file>
 
 <file path=ppt/slides/slide51.xml><?xml version="1.0" encoding="utf-8"?>
-<p:sld xmlns:a="http://schemas.openxmlformats.org/drawingml/2006/main" xmlns:r="http://schemas.openxmlformats.org/officeDocument/2006/relationships" xmlns:p="http://schemas.openxmlformats.org/presentationml/2006/main">
+<p:sld xmlns:a="http://schemas.openxmlformats.org/drawingml/2006/main" xmlns:r="http://schemas.openxmlformats.org/officeDocument/2006/relationships" xmlns:p="http://schemas.openxmlformats.org/presentationml/2006/main" show="0">
   <p:cSld>
     <p:spTree>
       <p:nvGrpSpPr>
@@ -24351,6 +24468,14 @@
   <p:clrMapOvr>
     <a:masterClrMapping/>
   </p:clrMapOvr>
+  <mc:AlternateContent xmlns:mc="http://schemas.openxmlformats.org/markup-compatibility/2006">
+    <mc:Choice xmlns:p14="http://schemas.microsoft.com/office/powerpoint/2010/main" Requires="p14">
+      <p:transition spd="slow" p14:dur="2000"/>
+    </mc:Choice>
+    <mc:Fallback>
+      <p:transition spd="slow"/>
+    </mc:Fallback>
+  </mc:AlternateContent>
   <p:timing>
     <p:tnLst>
       <p:par>
@@ -24362,7 +24487,7 @@
 </file>
 
 <file path=ppt/slides/slide52.xml><?xml version="1.0" encoding="utf-8"?>
-<p:sld xmlns:a="http://schemas.openxmlformats.org/drawingml/2006/main" xmlns:r="http://schemas.openxmlformats.org/officeDocument/2006/relationships" xmlns:p="http://schemas.openxmlformats.org/presentationml/2006/main">
+<p:sld xmlns:a="http://schemas.openxmlformats.org/drawingml/2006/main" xmlns:r="http://schemas.openxmlformats.org/officeDocument/2006/relationships" xmlns:p="http://schemas.openxmlformats.org/presentationml/2006/main" show="0">
   <p:cSld>
     <p:spTree>
       <p:nvGrpSpPr>
@@ -24528,6 +24653,14 @@
   <p:clrMapOvr>
     <a:masterClrMapping/>
   </p:clrMapOvr>
+  <mc:AlternateContent xmlns:mc="http://schemas.openxmlformats.org/markup-compatibility/2006">
+    <mc:Choice xmlns:p14="http://schemas.microsoft.com/office/powerpoint/2010/main" Requires="p14">
+      <p:transition spd="slow" p14:dur="2000"/>
+    </mc:Choice>
+    <mc:Fallback>
+      <p:transition spd="slow"/>
+    </mc:Fallback>
+  </mc:AlternateContent>
   <p:timing>
     <p:tnLst>
       <p:par>
@@ -24539,7 +24672,7 @@
 </file>
 
 <file path=ppt/slides/slide53.xml><?xml version="1.0" encoding="utf-8"?>
-<p:sld xmlns:a="http://schemas.openxmlformats.org/drawingml/2006/main" xmlns:r="http://schemas.openxmlformats.org/officeDocument/2006/relationships" xmlns:p="http://schemas.openxmlformats.org/presentationml/2006/main">
+<p:sld xmlns:a="http://schemas.openxmlformats.org/drawingml/2006/main" xmlns:r="http://schemas.openxmlformats.org/officeDocument/2006/relationships" xmlns:p="http://schemas.openxmlformats.org/presentationml/2006/main" show="0">
   <p:cSld>
     <p:spTree>
       <p:nvGrpSpPr>
@@ -24646,6 +24779,14 @@
   <p:clrMapOvr>
     <a:masterClrMapping/>
   </p:clrMapOvr>
+  <mc:AlternateContent xmlns:mc="http://schemas.openxmlformats.org/markup-compatibility/2006">
+    <mc:Choice xmlns:p14="http://schemas.microsoft.com/office/powerpoint/2010/main" Requires="p14">
+      <p:transition spd="slow" p14:dur="2000"/>
+    </mc:Choice>
+    <mc:Fallback>
+      <p:transition spd="slow"/>
+    </mc:Fallback>
+  </mc:AlternateContent>
   <p:timing>
     <p:tnLst>
       <p:par>
@@ -24657,7 +24798,7 @@
 </file>
 
 <file path=ppt/slides/slide54.xml><?xml version="1.0" encoding="utf-8"?>
-<p:sld xmlns:a="http://schemas.openxmlformats.org/drawingml/2006/main" xmlns:r="http://schemas.openxmlformats.org/officeDocument/2006/relationships" xmlns:p="http://schemas.openxmlformats.org/presentationml/2006/main">
+<p:sld xmlns:a="http://schemas.openxmlformats.org/drawingml/2006/main" xmlns:r="http://schemas.openxmlformats.org/officeDocument/2006/relationships" xmlns:p="http://schemas.openxmlformats.org/presentationml/2006/main" show="0">
   <p:cSld>
     <p:spTree>
       <p:nvGrpSpPr>
@@ -24859,6 +25000,14 @@
   <p:clrMapOvr>
     <a:masterClrMapping/>
   </p:clrMapOvr>
+  <mc:AlternateContent xmlns:mc="http://schemas.openxmlformats.org/markup-compatibility/2006">
+    <mc:Choice xmlns:p14="http://schemas.microsoft.com/office/powerpoint/2010/main" Requires="p14">
+      <p:transition spd="slow" p14:dur="2000"/>
+    </mc:Choice>
+    <mc:Fallback>
+      <p:transition spd="slow"/>
+    </mc:Fallback>
+  </mc:AlternateContent>
   <p:timing>
     <p:tnLst>
       <p:par>
@@ -24870,7 +25019,7 @@
 </file>
 
 <file path=ppt/slides/slide55.xml><?xml version="1.0" encoding="utf-8"?>
-<p:sld xmlns:a="http://schemas.openxmlformats.org/drawingml/2006/main" xmlns:r="http://schemas.openxmlformats.org/officeDocument/2006/relationships" xmlns:p="http://schemas.openxmlformats.org/presentationml/2006/main">
+<p:sld xmlns:a="http://schemas.openxmlformats.org/drawingml/2006/main" xmlns:r="http://schemas.openxmlformats.org/officeDocument/2006/relationships" xmlns:p="http://schemas.openxmlformats.org/presentationml/2006/main" show="0">
   <p:cSld>
     <p:spTree>
       <p:nvGrpSpPr>
@@ -25037,6 +25186,14 @@
   <p:clrMapOvr>
     <a:masterClrMapping/>
   </p:clrMapOvr>
+  <mc:AlternateContent xmlns:mc="http://schemas.openxmlformats.org/markup-compatibility/2006">
+    <mc:Choice xmlns:p14="http://schemas.microsoft.com/office/powerpoint/2010/main" Requires="p14">
+      <p:transition spd="slow" p14:dur="2000"/>
+    </mc:Choice>
+    <mc:Fallback>
+      <p:transition spd="slow"/>
+    </mc:Fallback>
+  </mc:AlternateContent>
   <p:timing>
     <p:tnLst>
       <p:par>
@@ -25231,11 +25388,7 @@
           <a:p>
             <a:r>
               <a:rPr lang="en-US" dirty="0" smtClean="0"/>
-              <a:t>options </a:t>
-            </a:r>
-            <a:r>
-              <a:rPr lang="en-US" dirty="0" smtClean="0"/>
-              <a:t>on how sub views (and view groups) are arranged</a:t>
+              <a:t>options on how sub views (and view groups) are arranged</a:t>
             </a:r>
           </a:p>
           <a:p>
@@ -25403,30 +25556,66 @@
           <a:p>
             <a:pPr lvl="1"/>
             <a:r>
-              <a:rPr lang="en-US" dirty="0"/>
-              <a:t>simplest type of layout object</a:t>
-            </a:r>
+              <a:rPr lang="ru-RU" dirty="0"/>
+              <a:t>п</a:t>
+            </a:r>
+            <a:r>
+              <a:rPr lang="ru-RU" dirty="0" smtClean="0"/>
+              <a:t>ростейший </a:t>
+            </a:r>
+            <a:r>
+              <a:rPr lang="ru-RU" dirty="0"/>
+              <a:t>тип </a:t>
+            </a:r>
+            <a:r>
+              <a:rPr lang="ru-RU" dirty="0" smtClean="0"/>
+              <a:t>макета</a:t>
+            </a:r>
+            <a:endParaRPr lang="en-US" dirty="0" smtClean="0"/>
           </a:p>
           <a:p>
             <a:pPr lvl="1"/>
             <a:r>
-              <a:rPr lang="en-US" dirty="0"/>
-              <a:t>fill with a single object (such as a picture) that can be switched in and out</a:t>
-            </a:r>
+              <a:rPr lang="ru-RU" dirty="0"/>
+              <a:t>д</a:t>
+            </a:r>
+            <a:r>
+              <a:rPr lang="ru-RU" dirty="0" smtClean="0"/>
+              <a:t>очерние </a:t>
+            </a:r>
+            <a:r>
+              <a:rPr lang="ru-RU" dirty="0"/>
+              <a:t>элементы прикреплены к верхнему левому углу </a:t>
+            </a:r>
+            <a:r>
+              <a:rPr lang="ru-RU" dirty="0" smtClean="0"/>
+              <a:t>экрана</a:t>
+            </a:r>
+            <a:endParaRPr lang="en-US" dirty="0"/>
           </a:p>
           <a:p>
             <a:pPr lvl="1"/>
             <a:r>
-              <a:rPr lang="en-US" dirty="0"/>
-              <a:t>child elements pinned to top left corner of screen and cannot be move</a:t>
-            </a:r>
-          </a:p>
-          <a:p>
-            <a:pPr lvl="1"/>
-            <a:r>
-              <a:rPr lang="en-US" dirty="0"/>
-              <a:t>adding a new element / child draws over the last one</a:t>
-            </a:r>
+              <a:rPr lang="ru-RU" dirty="0" smtClean="0"/>
+              <a:t>при добавление </a:t>
+            </a:r>
+            <a:r>
+              <a:rPr lang="ru-RU" dirty="0"/>
+              <a:t>нового </a:t>
+            </a:r>
+            <a:r>
+              <a:rPr lang="ru-RU" dirty="0" smtClean="0"/>
+              <a:t>элемента последний </a:t>
+            </a:r>
+            <a:r>
+              <a:rPr lang="ru-RU" dirty="0" err="1" smtClean="0"/>
+              <a:t>отрисовывается</a:t>
+            </a:r>
+            <a:r>
+              <a:rPr lang="ru-RU" dirty="0" smtClean="0"/>
+              <a:t> поверх ранее добавленных</a:t>
+            </a:r>
+            <a:endParaRPr lang="en-US" dirty="0"/>
           </a:p>
           <a:p>
             <a:endParaRPr lang="en-US" dirty="0"/>
@@ -25516,15 +25705,37 @@
           <a:lstStyle/>
           <a:p>
             <a:r>
-              <a:rPr lang="en-US" dirty="0" smtClean="0"/>
-              <a:t>aligns child elements (such as buttons, edit text boxes, pictures, etc.) in a single direction</a:t>
-            </a:r>
-          </a:p>
-          <a:p>
-            <a:r>
-              <a:rPr lang="en-US" dirty="0" smtClean="0"/>
-              <a:t>orientation attribute defines direction:</a:t>
-            </a:r>
+              <a:rPr lang="ru-RU" dirty="0"/>
+              <a:t>Выравнивает дочерние элементы (например, кнопки, </a:t>
+            </a:r>
+            <a:r>
+              <a:rPr lang="ru-RU" dirty="0" smtClean="0"/>
+              <a:t>текстовые </a:t>
+            </a:r>
+            <a:r>
+              <a:rPr lang="ru-RU" dirty="0"/>
+              <a:t>поля, изображения и </a:t>
+            </a:r>
+            <a:r>
+              <a:rPr lang="ru-RU" dirty="0" smtClean="0"/>
+              <a:t>т.д.) в </a:t>
+            </a:r>
+            <a:r>
+              <a:rPr lang="ru-RU" dirty="0"/>
+              <a:t>одном направлении</a:t>
+            </a:r>
+            <a:endParaRPr lang="en-US" dirty="0" smtClean="0"/>
+          </a:p>
+          <a:p>
+            <a:r>
+              <a:rPr lang="ru-RU" dirty="0"/>
+              <a:t>Атрибут ориентации определяет направление</a:t>
+            </a:r>
+            <a:r>
+              <a:rPr lang="en-US" dirty="0" smtClean="0"/>
+              <a:t>:</a:t>
+            </a:r>
+            <a:endParaRPr lang="en-US" dirty="0" smtClean="0"/>
           </a:p>
           <a:p>
             <a:pPr lvl="1"/>
@@ -25710,7 +25921,6 @@
               <a:rPr lang="en-US" dirty="0" smtClean="0"/>
               <a:t>:</a:t>
             </a:r>
-            <a:endParaRPr lang="en-US" dirty="0" smtClean="0"/>
           </a:p>
           <a:p>
             <a:r>
@@ -29992,11 +30202,7 @@
             </a:pPr>
             <a:r>
               <a:rPr lang="ru-RU" dirty="0" smtClean="0"/>
-              <a:t>Минимальные размеры </a:t>
-            </a:r>
-            <a:r>
-              <a:rPr lang="ru-RU" dirty="0" smtClean="0"/>
-              <a:t>экранов:</a:t>
+              <a:t>Минимальные размеры экранов:</a:t>
             </a:r>
           </a:p>
           <a:p>
